--- a/레벨 디자인.pptx
+++ b/레벨 디자인.pptx
@@ -792,7 +792,7 @@
   <p:cSld>
     <p:spTree>
       <p:nvGrpSpPr>
-        <p:cNvPr id="84" name="Shape 84"/>
+        <p:cNvPr id="94" name="Shape 94"/>
         <p:cNvGrpSpPr/>
         <p:nvPr/>
       </p:nvGrpSpPr>
@@ -806,7 +806,7 @@
       </p:grpSpPr>
       <p:sp>
         <p:nvSpPr>
-          <p:cNvPr id="85" name="Google Shape;85;g25d17295f0b_0_33:notes"/>
+          <p:cNvPr id="95" name="Google Shape;95;g25d17295f0b_0_33:notes"/>
           <p:cNvSpPr/>
           <p:nvPr>
             <p:ph idx="2" type="sldImg"/>
@@ -841,7 +841,7 @@
       </p:sp>
       <p:sp>
         <p:nvSpPr>
-          <p:cNvPr id="86" name="Google Shape;86;g25d17295f0b_0_33:notes"/>
+          <p:cNvPr id="96" name="Google Shape;96;g25d17295f0b_0_33:notes"/>
           <p:cNvSpPr txBox="1"/>
           <p:nvPr>
             <p:ph idx="1" type="body"/>
@@ -891,7 +891,7 @@
   <p:cSld>
     <p:spTree>
       <p:nvGrpSpPr>
-        <p:cNvPr id="124" name="Shape 124"/>
+        <p:cNvPr id="134" name="Shape 134"/>
         <p:cNvGrpSpPr/>
         <p:nvPr/>
       </p:nvGrpSpPr>
@@ -905,7 +905,7 @@
       </p:grpSpPr>
       <p:sp>
         <p:nvSpPr>
-          <p:cNvPr id="125" name="Google Shape;125;g25d17295f0b_0_81:notes"/>
+          <p:cNvPr id="135" name="Google Shape;135;g25d17295f0b_0_81:notes"/>
           <p:cNvSpPr/>
           <p:nvPr>
             <p:ph idx="2" type="sldImg"/>
@@ -940,7 +940,7 @@
       </p:sp>
       <p:sp>
         <p:nvSpPr>
-          <p:cNvPr id="126" name="Google Shape;126;g25d17295f0b_0_81:notes"/>
+          <p:cNvPr id="136" name="Google Shape;136;g25d17295f0b_0_81:notes"/>
           <p:cNvSpPr txBox="1"/>
           <p:nvPr>
             <p:ph idx="1" type="body"/>
@@ -5702,14 +5702,14 @@
         </p:nvSpPr>
         <p:spPr>
           <a:xfrm>
-            <a:off x="3296725" y="0"/>
-            <a:ext cx="5847300" cy="5166300"/>
+            <a:off x="-5875" y="0"/>
+            <a:ext cx="1677000" cy="3010500"/>
           </a:xfrm>
           <a:prstGeom prst="rect">
             <a:avLst/>
           </a:prstGeom>
           <a:solidFill>
-            <a:srgbClr val="6AA84F"/>
+            <a:srgbClr val="D5A6BD"/>
           </a:solidFill>
           <a:ln>
             <a:noFill/>
@@ -5745,7 +5745,136 @@
         </p:nvSpPr>
         <p:spPr>
           <a:xfrm>
-            <a:off x="122100" y="2182550"/>
+            <a:off x="3296725" y="0"/>
+            <a:ext cx="5847300" cy="5166300"/>
+          </a:xfrm>
+          <a:prstGeom prst="rect">
+            <a:avLst/>
+          </a:prstGeom>
+          <a:solidFill>
+            <a:srgbClr val="6AA84F"/>
+          </a:solidFill>
+          <a:ln>
+            <a:noFill/>
+          </a:ln>
+        </p:spPr>
+        <p:txBody>
+          <a:bodyPr anchorCtr="0" anchor="ctr" bIns="91425" lIns="91425" spcFirstLastPara="1" rIns="91425" wrap="square" tIns="91425">
+            <a:noAutofit/>
+          </a:bodyPr>
+          <a:lstStyle/>
+          <a:p>
+            <a:pPr indent="0" lvl="0" marL="0" rtl="0" algn="ctr">
+              <a:spcBef>
+                <a:spcPts val="0"/>
+              </a:spcBef>
+              <a:spcAft>
+                <a:spcPts val="0"/>
+              </a:spcAft>
+              <a:buNone/>
+            </a:pPr>
+            <a:r>
+              <a:t/>
+            </a:r>
+            <a:endParaRPr/>
+          </a:p>
+        </p:txBody>
+      </p:sp>
+      <p:sp>
+        <p:nvSpPr>
+          <p:cNvPr id="57" name="Google Shape;57;p13"/>
+          <p:cNvSpPr/>
+          <p:nvPr/>
+        </p:nvSpPr>
+        <p:spPr>
+          <a:xfrm>
+            <a:off x="3250925" y="778400"/>
+            <a:ext cx="1944000" cy="2594700"/>
+          </a:xfrm>
+          <a:prstGeom prst="rect">
+            <a:avLst/>
+          </a:prstGeom>
+          <a:solidFill>
+            <a:srgbClr val="3C78D8"/>
+          </a:solidFill>
+          <a:ln>
+            <a:noFill/>
+          </a:ln>
+        </p:spPr>
+        <p:txBody>
+          <a:bodyPr anchorCtr="0" anchor="ctr" bIns="91425" lIns="91425" spcFirstLastPara="1" rIns="91425" wrap="square" tIns="91425">
+            <a:noAutofit/>
+          </a:bodyPr>
+          <a:lstStyle/>
+          <a:p>
+            <a:pPr indent="0" lvl="0" marL="0" rtl="0" algn="ctr">
+              <a:spcBef>
+                <a:spcPts val="0"/>
+              </a:spcBef>
+              <a:spcAft>
+                <a:spcPts val="0"/>
+              </a:spcAft>
+              <a:buNone/>
+            </a:pPr>
+            <a:r>
+              <a:t/>
+            </a:r>
+            <a:endParaRPr/>
+          </a:p>
+        </p:txBody>
+      </p:sp>
+      <p:sp>
+        <p:nvSpPr>
+          <p:cNvPr id="58" name="Google Shape;58;p13"/>
+          <p:cNvSpPr/>
+          <p:nvPr/>
+        </p:nvSpPr>
+        <p:spPr>
+          <a:xfrm>
+            <a:off x="1623650" y="0"/>
+            <a:ext cx="2046900" cy="1968900"/>
+          </a:xfrm>
+          <a:prstGeom prst="rect">
+            <a:avLst/>
+          </a:prstGeom>
+          <a:solidFill>
+            <a:srgbClr val="D5A6BD"/>
+          </a:solidFill>
+          <a:ln>
+            <a:noFill/>
+          </a:ln>
+        </p:spPr>
+        <p:txBody>
+          <a:bodyPr anchorCtr="0" anchor="ctr" bIns="91425" lIns="91425" spcFirstLastPara="1" rIns="91425" wrap="square" tIns="91425">
+            <a:noAutofit/>
+          </a:bodyPr>
+          <a:lstStyle/>
+          <a:p>
+            <a:pPr indent="0" lvl="0" marL="0" rtl="0" algn="ctr">
+              <a:spcBef>
+                <a:spcPts val="0"/>
+              </a:spcBef>
+              <a:spcAft>
+                <a:spcPts val="0"/>
+              </a:spcAft>
+              <a:buNone/>
+            </a:pPr>
+            <a:r>
+              <a:t/>
+            </a:r>
+            <a:endParaRPr/>
+          </a:p>
+        </p:txBody>
+      </p:sp>
+      <p:sp>
+        <p:nvSpPr>
+          <p:cNvPr id="59" name="Google Shape;59;p13"/>
+          <p:cNvSpPr/>
+          <p:nvPr/>
+        </p:nvSpPr>
+        <p:spPr>
+          <a:xfrm>
+            <a:off x="1674975" y="2392313"/>
             <a:ext cx="3105900" cy="862500"/>
           </a:xfrm>
           <a:prstGeom prst="snip1Rect">
@@ -5790,7 +5919,7 @@
       </p:sp>
       <p:sp>
         <p:nvSpPr>
-          <p:cNvPr id="57" name="Google Shape;57;p13"/>
+          <p:cNvPr id="60" name="Google Shape;60;p13"/>
           <p:cNvSpPr/>
           <p:nvPr/>
         </p:nvSpPr>
@@ -5841,7 +5970,7 @@
       </p:sp>
       <p:sp>
         <p:nvSpPr>
-          <p:cNvPr id="58" name="Google Shape;58;p13"/>
+          <p:cNvPr id="61" name="Google Shape;61;p13"/>
           <p:cNvSpPr/>
           <p:nvPr/>
         </p:nvSpPr>
@@ -5893,7 +6022,7 @@
       </p:sp>
       <p:sp>
         <p:nvSpPr>
-          <p:cNvPr id="59" name="Google Shape;59;p13"/>
+          <p:cNvPr id="62" name="Google Shape;62;p13"/>
           <p:cNvSpPr/>
           <p:nvPr/>
         </p:nvSpPr>
@@ -5945,7 +6074,7 @@
       </p:sp>
       <p:sp>
         <p:nvSpPr>
-          <p:cNvPr id="60" name="Google Shape;60;p13"/>
+          <p:cNvPr id="63" name="Google Shape;63;p13"/>
           <p:cNvSpPr/>
           <p:nvPr/>
         </p:nvSpPr>
@@ -5997,7 +6126,7 @@
       </p:sp>
       <p:sp>
         <p:nvSpPr>
-          <p:cNvPr id="61" name="Google Shape;61;p13"/>
+          <p:cNvPr id="64" name="Google Shape;64;p13"/>
           <p:cNvSpPr/>
           <p:nvPr/>
         </p:nvSpPr>
@@ -6049,13 +6178,13 @@
       </p:sp>
       <p:sp>
         <p:nvSpPr>
-          <p:cNvPr id="62" name="Google Shape;62;p13"/>
+          <p:cNvPr id="65" name="Google Shape;65;p13"/>
           <p:cNvSpPr/>
           <p:nvPr/>
         </p:nvSpPr>
         <p:spPr>
           <a:xfrm>
-            <a:off x="755475" y="480775"/>
+            <a:off x="742325" y="740200"/>
             <a:ext cx="1518600" cy="381600"/>
           </a:xfrm>
           <a:prstGeom prst="roundRect">
@@ -6093,7 +6222,7 @@
             </a:pPr>
             <a:r>
               <a:rPr lang="ko"/>
-              <a:t>accept</a:t>
+              <a:t>2명 accept() 완료</a:t>
             </a:r>
             <a:endParaRPr/>
           </a:p>
@@ -6101,17 +6230,17 @@
       </p:sp>
       <p:cxnSp>
         <p:nvCxnSpPr>
-          <p:cNvPr id="63" name="Google Shape;63;p13"/>
+          <p:cNvPr id="66" name="Google Shape;66;p13"/>
           <p:cNvCxnSpPr>
-            <a:stCxn id="58" idx="1"/>
-            <a:endCxn id="62" idx="3"/>
+            <a:stCxn id="61" idx="1"/>
+            <a:endCxn id="65" idx="3"/>
           </p:cNvCxnSpPr>
           <p:nvPr/>
         </p:nvCxnSpPr>
         <p:spPr>
           <a:xfrm flipH="1">
-            <a:off x="2274125" y="343425"/>
-            <a:ext cx="3151500" cy="328200"/>
+            <a:off x="2260925" y="343425"/>
+            <a:ext cx="3164700" cy="587700"/>
           </a:xfrm>
           <a:prstGeom prst="straightConnector1">
             <a:avLst/>
@@ -6130,7 +6259,7 @@
       </p:cxnSp>
       <p:sp>
         <p:nvSpPr>
-          <p:cNvPr id="64" name="Google Shape;64;p13"/>
+          <p:cNvPr id="67" name="Google Shape;67;p13"/>
           <p:cNvSpPr txBox="1"/>
           <p:nvPr/>
         </p:nvSpPr>
@@ -6172,13 +6301,13 @@
       </p:sp>
       <p:sp>
         <p:nvSpPr>
-          <p:cNvPr id="65" name="Google Shape;65;p13"/>
+          <p:cNvPr id="68" name="Google Shape;68;p13"/>
           <p:cNvSpPr/>
           <p:nvPr/>
         </p:nvSpPr>
         <p:spPr>
           <a:xfrm>
-            <a:off x="244200" y="2419125"/>
+            <a:off x="1797075" y="2628888"/>
             <a:ext cx="1373700" cy="381600"/>
           </a:xfrm>
           <a:prstGeom prst="roundRect">
@@ -6224,10 +6353,10 @@
       </p:sp>
       <p:cxnSp>
         <p:nvCxnSpPr>
-          <p:cNvPr id="66" name="Google Shape;66;p13"/>
+          <p:cNvPr id="69" name="Google Shape;69;p13"/>
           <p:cNvCxnSpPr>
-            <a:stCxn id="59" idx="3"/>
-            <a:endCxn id="60" idx="1"/>
+            <a:stCxn id="62" idx="3"/>
+            <a:endCxn id="63" idx="1"/>
           </p:cNvCxnSpPr>
           <p:nvPr/>
         </p:nvCxnSpPr>
@@ -6253,10 +6382,10 @@
       </p:cxnSp>
       <p:cxnSp>
         <p:nvCxnSpPr>
-          <p:cNvPr id="67" name="Google Shape;67;p13"/>
+          <p:cNvPr id="70" name="Google Shape;70;p13"/>
           <p:cNvCxnSpPr>
-            <a:stCxn id="60" idx="3"/>
-            <a:endCxn id="61" idx="1"/>
+            <a:stCxn id="63" idx="3"/>
+            <a:endCxn id="64" idx="1"/>
           </p:cNvCxnSpPr>
           <p:nvPr/>
         </p:nvCxnSpPr>
@@ -6282,13 +6411,13 @@
       </p:cxnSp>
       <p:sp>
         <p:nvSpPr>
-          <p:cNvPr id="68" name="Google Shape;68;p13"/>
+          <p:cNvPr id="71" name="Google Shape;71;p13"/>
           <p:cNvSpPr/>
           <p:nvPr/>
         </p:nvSpPr>
         <p:spPr>
           <a:xfrm>
-            <a:off x="1779838" y="2419125"/>
+            <a:off x="3332713" y="2628888"/>
             <a:ext cx="1373700" cy="381600"/>
           </a:xfrm>
           <a:prstGeom prst="roundRect">
@@ -6334,13 +6463,13 @@
       </p:sp>
       <p:sp>
         <p:nvSpPr>
-          <p:cNvPr id="69" name="Google Shape;69;p13"/>
+          <p:cNvPr id="72" name="Google Shape;72;p13"/>
           <p:cNvSpPr/>
           <p:nvPr/>
         </p:nvSpPr>
         <p:spPr>
           <a:xfrm>
-            <a:off x="755475" y="1262988"/>
+            <a:off x="742325" y="1427088"/>
             <a:ext cx="1518600" cy="328200"/>
           </a:xfrm>
           <a:prstGeom prst="roundRect">
@@ -6377,26 +6506,26 @@
               <a:buNone/>
             </a:pPr>
             <a:r>
-              <a:rPr lang="ko"/>
-              <a:t>세션 생성</a:t>
+              <a:rPr lang="ko" sz="1000"/>
+              <a:t>인스턴스 스레드 생성</a:t>
             </a:r>
-            <a:endParaRPr/>
+            <a:endParaRPr sz="1000"/>
           </a:p>
         </p:txBody>
       </p:sp>
       <p:cxnSp>
         <p:nvCxnSpPr>
-          <p:cNvPr id="70" name="Google Shape;70;p13"/>
+          <p:cNvPr id="73" name="Google Shape;73;p13"/>
           <p:cNvCxnSpPr>
-            <a:stCxn id="62" idx="2"/>
-            <a:endCxn id="69" idx="0"/>
+            <a:stCxn id="65" idx="2"/>
+            <a:endCxn id="72" idx="0"/>
           </p:cNvCxnSpPr>
           <p:nvPr/>
         </p:nvCxnSpPr>
         <p:spPr>
           <a:xfrm>
-            <a:off x="1514775" y="862375"/>
-            <a:ext cx="0" cy="400500"/>
+            <a:off x="1501625" y="1121800"/>
+            <a:ext cx="0" cy="305400"/>
           </a:xfrm>
           <a:prstGeom prst="straightConnector1">
             <a:avLst/>
@@ -6415,17 +6544,17 @@
       </p:cxnSp>
       <p:cxnSp>
         <p:nvCxnSpPr>
-          <p:cNvPr id="71" name="Google Shape;71;p13"/>
+          <p:cNvPr id="74" name="Google Shape;74;p13"/>
           <p:cNvCxnSpPr>
-            <a:stCxn id="69" idx="2"/>
-            <a:endCxn id="56" idx="3"/>
+            <a:stCxn id="61" idx="2"/>
+            <a:endCxn id="60" idx="3"/>
           </p:cNvCxnSpPr>
           <p:nvPr/>
         </p:nvCxnSpPr>
         <p:spPr>
           <a:xfrm>
-            <a:off x="1514775" y="1591188"/>
-            <a:ext cx="160200" cy="591300"/>
+            <a:off x="6184925" y="534225"/>
+            <a:ext cx="53400" cy="2930400"/>
           </a:xfrm>
           <a:prstGeom prst="straightConnector1">
             <a:avLst/>
@@ -6444,17 +6573,16 @@
       </p:cxnSp>
       <p:cxnSp>
         <p:nvCxnSpPr>
-          <p:cNvPr id="72" name="Google Shape;72;p13"/>
+          <p:cNvPr id="75" name="Google Shape;75;p13"/>
           <p:cNvCxnSpPr>
-            <a:stCxn id="58" idx="2"/>
-            <a:endCxn id="57" idx="3"/>
+            <a:stCxn id="59" idx="0"/>
           </p:cNvCxnSpPr>
           <p:nvPr/>
         </p:nvCxnSpPr>
         <p:spPr>
-          <a:xfrm>
-            <a:off x="6184925" y="534225"/>
-            <a:ext cx="53400" cy="2930400"/>
+          <a:xfrm flipH="1" rot="10800000">
+            <a:off x="4780875" y="2114063"/>
+            <a:ext cx="1438800" cy="709500"/>
           </a:xfrm>
           <a:prstGeom prst="straightConnector1">
             <a:avLst/>
@@ -6473,32 +6601,30 @@
       </p:cxnSp>
       <p:sp>
         <p:nvSpPr>
-          <p:cNvPr id="73" name="Google Shape;73;p13"/>
-          <p:cNvSpPr/>
+          <p:cNvPr id="76" name="Google Shape;76;p13"/>
+          <p:cNvSpPr txBox="1"/>
           <p:nvPr/>
         </p:nvSpPr>
         <p:spPr>
           <a:xfrm>
-            <a:off x="3250925" y="2190175"/>
-            <a:ext cx="1284000" cy="663900"/>
+            <a:off x="4742263" y="2495375"/>
+            <a:ext cx="1556700" cy="297600"/>
           </a:xfrm>
           <a:prstGeom prst="rect">
             <a:avLst/>
           </a:prstGeom>
-          <a:solidFill>
-            <a:srgbClr val="3C78D8"/>
-          </a:solidFill>
+          <a:noFill/>
           <a:ln>
             <a:noFill/>
           </a:ln>
         </p:spPr>
         <p:txBody>
-          <a:bodyPr anchorCtr="0" anchor="ctr" bIns="91425" lIns="91425" spcFirstLastPara="1" rIns="91425" wrap="square" tIns="91425">
+          <a:bodyPr anchorCtr="0" anchor="t" bIns="91425" lIns="91425" spcFirstLastPara="1" rIns="91425" wrap="square" tIns="91425">
             <a:noAutofit/>
           </a:bodyPr>
           <a:lstStyle/>
           <a:p>
-            <a:pPr indent="0" lvl="0" marL="0" rtl="0" algn="ctr">
+            <a:pPr indent="0" lvl="0" marL="0" rtl="0" algn="l">
               <a:spcBef>
                 <a:spcPts val="0"/>
               </a:spcBef>
@@ -6508,7 +6634,108 @@
               <a:buNone/>
             </a:pPr>
             <a:r>
-              <a:t/>
+              <a:rPr lang="ko" sz="800"/>
+              <a:t>sc_create_object_packet 전송</a:t>
+            </a:r>
+            <a:endParaRPr sz="800"/>
+          </a:p>
+        </p:txBody>
+      </p:sp>
+      <p:sp>
+        <p:nvSpPr>
+          <p:cNvPr id="77" name="Google Shape;77;p13"/>
+          <p:cNvSpPr txBox="1"/>
+          <p:nvPr/>
+        </p:nvSpPr>
+        <p:spPr>
+          <a:xfrm>
+            <a:off x="6982650" y="1121800"/>
+            <a:ext cx="1762800" cy="770700"/>
+          </a:xfrm>
+          <a:prstGeom prst="rect">
+            <a:avLst/>
+          </a:prstGeom>
+          <a:noFill/>
+          <a:ln>
+            <a:noFill/>
+          </a:ln>
+        </p:spPr>
+        <p:txBody>
+          <a:bodyPr anchorCtr="0" anchor="t" bIns="91425" lIns="91425" spcFirstLastPara="1" rIns="91425" wrap="square" tIns="91425">
+            <a:noAutofit/>
+          </a:bodyPr>
+          <a:lstStyle/>
+          <a:p>
+            <a:pPr indent="0" lvl="0" marL="0" rtl="0" algn="l">
+              <a:spcBef>
+                <a:spcPts val="0"/>
+              </a:spcBef>
+              <a:spcAft>
+                <a:spcPts val="0"/>
+              </a:spcAft>
+              <a:buNone/>
+            </a:pPr>
+            <a:r>
+              <a:rPr lang="ko"/>
+              <a:t>Client</a:t>
+            </a:r>
+            <a:endParaRPr/>
+          </a:p>
+        </p:txBody>
+      </p:sp>
+      <p:sp>
+        <p:nvSpPr>
+          <p:cNvPr id="78" name="Google Shape;78;p13"/>
+          <p:cNvSpPr txBox="1"/>
+          <p:nvPr/>
+        </p:nvSpPr>
+        <p:spPr>
+          <a:xfrm>
+            <a:off x="389200" y="4235375"/>
+            <a:ext cx="1726200" cy="591300"/>
+          </a:xfrm>
+          <a:prstGeom prst="rect">
+            <a:avLst/>
+          </a:prstGeom>
+          <a:noFill/>
+          <a:ln>
+            <a:noFill/>
+          </a:ln>
+        </p:spPr>
+        <p:txBody>
+          <a:bodyPr anchorCtr="0" anchor="t" bIns="91425" lIns="91425" spcFirstLastPara="1" rIns="91425" wrap="square" tIns="91425">
+            <a:noAutofit/>
+          </a:bodyPr>
+          <a:lstStyle/>
+          <a:p>
+            <a:pPr indent="0" lvl="0" marL="0" rtl="0" algn="l">
+              <a:spcBef>
+                <a:spcPts val="0"/>
+              </a:spcBef>
+              <a:spcAft>
+                <a:spcPts val="0"/>
+              </a:spcAft>
+              <a:buNone/>
+            </a:pPr>
+            <a:r>
+              <a:rPr lang="ko"/>
+              <a:t>Server </a:t>
+            </a:r>
+            <a:endParaRPr/>
+          </a:p>
+          <a:p>
+            <a:pPr indent="0" lvl="0" marL="0" rtl="0" algn="l">
+              <a:spcBef>
+                <a:spcPts val="0"/>
+              </a:spcBef>
+              <a:spcAft>
+                <a:spcPts val="0"/>
+              </a:spcAft>
+              <a:buNone/>
+            </a:pPr>
+            <a:r>
+              <a:rPr lang="ko"/>
+              <a:t>(Instance thread)</a:t>
             </a:r>
             <a:endParaRPr/>
           </a:p>
@@ -6516,14 +6743,17 @@
       </p:sp>
       <p:cxnSp>
         <p:nvCxnSpPr>
-          <p:cNvPr id="74" name="Google Shape;74;p13"/>
-          <p:cNvCxnSpPr/>
+          <p:cNvPr id="79" name="Google Shape;79;p13"/>
+          <p:cNvCxnSpPr>
+            <a:stCxn id="59" idx="1"/>
+            <a:endCxn id="80" idx="0"/>
+          </p:cNvCxnSpPr>
           <p:nvPr/>
         </p:nvCxnSpPr>
         <p:spPr>
-          <a:xfrm flipH="1" rot="10800000">
-            <a:off x="3228000" y="2114000"/>
-            <a:ext cx="2991600" cy="499800"/>
+          <a:xfrm flipH="1">
+            <a:off x="1676925" y="3254813"/>
+            <a:ext cx="1551000" cy="599100"/>
           </a:xfrm>
           <a:prstGeom prst="straightConnector1">
             <a:avLst/>
@@ -6540,144 +6770,18 @@
           </a:ln>
         </p:spPr>
       </p:cxnSp>
-      <p:sp>
-        <p:nvSpPr>
-          <p:cNvPr id="75" name="Google Shape;75;p13"/>
-          <p:cNvSpPr txBox="1"/>
-          <p:nvPr/>
-        </p:nvSpPr>
-        <p:spPr>
-          <a:xfrm>
-            <a:off x="3191763" y="2274150"/>
-            <a:ext cx="1556700" cy="297600"/>
-          </a:xfrm>
-          <a:prstGeom prst="rect">
-            <a:avLst/>
-          </a:prstGeom>
-          <a:noFill/>
-          <a:ln>
-            <a:noFill/>
-          </a:ln>
-        </p:spPr>
-        <p:txBody>
-          <a:bodyPr anchorCtr="0" anchor="t" bIns="91425" lIns="91425" spcFirstLastPara="1" rIns="91425" wrap="square" tIns="91425">
-            <a:noAutofit/>
-          </a:bodyPr>
-          <a:lstStyle/>
-          <a:p>
-            <a:pPr indent="0" lvl="0" marL="0" rtl="0" algn="l">
-              <a:spcBef>
-                <a:spcPts val="0"/>
-              </a:spcBef>
-              <a:spcAft>
-                <a:spcPts val="0"/>
-              </a:spcAft>
-              <a:buNone/>
-            </a:pPr>
-            <a:r>
-              <a:rPr lang="ko" sz="800"/>
-              <a:t>sc_create_object_packet()</a:t>
-            </a:r>
-            <a:endParaRPr sz="800"/>
-          </a:p>
-        </p:txBody>
-      </p:sp>
-      <p:sp>
-        <p:nvSpPr>
-          <p:cNvPr id="76" name="Google Shape;76;p13"/>
-          <p:cNvSpPr txBox="1"/>
-          <p:nvPr/>
-        </p:nvSpPr>
-        <p:spPr>
-          <a:xfrm>
-            <a:off x="6982650" y="1121800"/>
-            <a:ext cx="1762800" cy="770700"/>
-          </a:xfrm>
-          <a:prstGeom prst="rect">
-            <a:avLst/>
-          </a:prstGeom>
-          <a:noFill/>
-          <a:ln>
-            <a:noFill/>
-          </a:ln>
-        </p:spPr>
-        <p:txBody>
-          <a:bodyPr anchorCtr="0" anchor="t" bIns="91425" lIns="91425" spcFirstLastPara="1" rIns="91425" wrap="square" tIns="91425">
-            <a:noAutofit/>
-          </a:bodyPr>
-          <a:lstStyle/>
-          <a:p>
-            <a:pPr indent="0" lvl="0" marL="0" rtl="0" algn="l">
-              <a:spcBef>
-                <a:spcPts val="0"/>
-              </a:spcBef>
-              <a:spcAft>
-                <a:spcPts val="0"/>
-              </a:spcAft>
-              <a:buNone/>
-            </a:pPr>
-            <a:r>
-              <a:rPr lang="ko"/>
-              <a:t>Client</a:t>
-            </a:r>
-            <a:endParaRPr/>
-          </a:p>
-        </p:txBody>
-      </p:sp>
-      <p:sp>
-        <p:nvSpPr>
-          <p:cNvPr id="77" name="Google Shape;77;p13"/>
-          <p:cNvSpPr txBox="1"/>
-          <p:nvPr/>
-        </p:nvSpPr>
-        <p:spPr>
-          <a:xfrm>
-            <a:off x="389200" y="4235375"/>
-            <a:ext cx="1335600" cy="591300"/>
-          </a:xfrm>
-          <a:prstGeom prst="rect">
-            <a:avLst/>
-          </a:prstGeom>
-          <a:noFill/>
-          <a:ln>
-            <a:noFill/>
-          </a:ln>
-        </p:spPr>
-        <p:txBody>
-          <a:bodyPr anchorCtr="0" anchor="t" bIns="91425" lIns="91425" spcFirstLastPara="1" rIns="91425" wrap="square" tIns="91425">
-            <a:noAutofit/>
-          </a:bodyPr>
-          <a:lstStyle/>
-          <a:p>
-            <a:pPr indent="0" lvl="0" marL="0" rtl="0" algn="l">
-              <a:spcBef>
-                <a:spcPts val="0"/>
-              </a:spcBef>
-              <a:spcAft>
-                <a:spcPts val="0"/>
-              </a:spcAft>
-              <a:buNone/>
-            </a:pPr>
-            <a:r>
-              <a:rPr lang="ko"/>
-              <a:t>Server</a:t>
-            </a:r>
-            <a:endParaRPr/>
-          </a:p>
-        </p:txBody>
-      </p:sp>
       <p:cxnSp>
         <p:nvCxnSpPr>
-          <p:cNvPr id="78" name="Google Shape;78;p13"/>
+          <p:cNvPr id="81" name="Google Shape;81;p13"/>
           <p:cNvCxnSpPr>
-            <a:stCxn id="56" idx="1"/>
+            <a:stCxn id="72" idx="3"/>
           </p:cNvCxnSpPr>
           <p:nvPr/>
         </p:nvCxnSpPr>
         <p:spPr>
           <a:xfrm>
-            <a:off x="1675050" y="3045050"/>
-            <a:ext cx="3900" cy="801000"/>
+            <a:off x="2260925" y="1591188"/>
+            <a:ext cx="3945600" cy="694500"/>
           </a:xfrm>
           <a:prstGeom prst="straightConnector1">
             <a:avLst/>
@@ -6694,37 +6798,9 @@
           </a:ln>
         </p:spPr>
       </p:cxnSp>
-      <p:cxnSp>
-        <p:nvCxnSpPr>
-          <p:cNvPr id="79" name="Google Shape;79;p13"/>
-          <p:cNvCxnSpPr>
-            <a:stCxn id="69" idx="3"/>
-          </p:cNvCxnSpPr>
-          <p:nvPr/>
-        </p:nvCxnSpPr>
-        <p:spPr>
-          <a:xfrm>
-            <a:off x="2274075" y="1427088"/>
-            <a:ext cx="3945600" cy="694500"/>
-          </a:xfrm>
-          <a:prstGeom prst="straightConnector1">
-            <a:avLst/>
-          </a:prstGeom>
-          <a:noFill/>
-          <a:ln cap="flat" cmpd="sng" w="9525">
-            <a:solidFill>
-              <a:schemeClr val="dk2"/>
-            </a:solidFill>
-            <a:prstDash val="solid"/>
-            <a:round/>
-            <a:headEnd len="med" w="med" type="none"/>
-            <a:tailEnd len="med" w="med" type="triangle"/>
-          </a:ln>
-        </p:spPr>
-      </p:cxnSp>
       <p:sp>
         <p:nvSpPr>
-          <p:cNvPr id="80" name="Google Shape;80;p13"/>
+          <p:cNvPr id="82" name="Google Shape;82;p13"/>
           <p:cNvSpPr txBox="1"/>
           <p:nvPr/>
         </p:nvSpPr>
@@ -6758,7 +6834,7 @@
             </a:pPr>
             <a:r>
               <a:rPr lang="ko" sz="800"/>
-              <a:t>sc_player_role_packet()</a:t>
+              <a:t>sc_player_role_packet 전송</a:t>
             </a:r>
             <a:endParaRPr sz="800"/>
           </a:p>
@@ -6766,7 +6842,7 @@
       </p:sp>
       <p:sp>
         <p:nvSpPr>
-          <p:cNvPr id="81" name="Google Shape;81;p13"/>
+          <p:cNvPr id="80" name="Google Shape;80;p13"/>
           <p:cNvSpPr/>
           <p:nvPr/>
         </p:nvSpPr>
@@ -6818,7 +6894,7 @@
       </p:sp>
       <p:sp>
         <p:nvSpPr>
-          <p:cNvPr id="82" name="Google Shape;82;p13"/>
+          <p:cNvPr id="83" name="Google Shape;83;p13"/>
           <p:cNvSpPr/>
           <p:nvPr/>
         </p:nvSpPr>
@@ -6870,10 +6946,10 @@
       </p:sp>
       <p:cxnSp>
         <p:nvCxnSpPr>
-          <p:cNvPr id="83" name="Google Shape;83;p13"/>
+          <p:cNvPr id="84" name="Google Shape;84;p13"/>
           <p:cNvCxnSpPr>
-            <a:stCxn id="57" idx="1"/>
-            <a:endCxn id="82" idx="0"/>
+            <a:stCxn id="60" idx="1"/>
+            <a:endCxn id="83" idx="0"/>
           </p:cNvCxnSpPr>
           <p:nvPr/>
         </p:nvCxnSpPr>
@@ -6897,6 +6973,343 @@
           </a:ln>
         </p:spPr>
       </p:cxnSp>
+      <p:sp>
+        <p:nvSpPr>
+          <p:cNvPr id="85" name="Google Shape;85;p13"/>
+          <p:cNvSpPr/>
+          <p:nvPr/>
+        </p:nvSpPr>
+        <p:spPr>
+          <a:xfrm>
+            <a:off x="116525" y="2640425"/>
+            <a:ext cx="1518600" cy="328200"/>
+          </a:xfrm>
+          <a:prstGeom prst="roundRect">
+            <a:avLst>
+              <a:gd fmla="val 16667" name="adj"/>
+            </a:avLst>
+          </a:prstGeom>
+          <a:solidFill>
+            <a:schemeClr val="lt2"/>
+          </a:solidFill>
+          <a:ln cap="flat" cmpd="sng" w="9525">
+            <a:solidFill>
+              <a:schemeClr val="dk2"/>
+            </a:solidFill>
+            <a:prstDash val="solid"/>
+            <a:round/>
+            <a:headEnd len="sm" w="sm" type="none"/>
+            <a:tailEnd len="sm" w="sm" type="none"/>
+          </a:ln>
+        </p:spPr>
+        <p:txBody>
+          <a:bodyPr anchorCtr="0" anchor="ctr" bIns="91425" lIns="91425" spcFirstLastPara="1" rIns="91425" wrap="square" tIns="91425">
+            <a:noAutofit/>
+          </a:bodyPr>
+          <a:lstStyle/>
+          <a:p>
+            <a:pPr indent="0" lvl="0" marL="0" rtl="0" algn="ctr">
+              <a:spcBef>
+                <a:spcPts val="0"/>
+              </a:spcBef>
+              <a:spcAft>
+                <a:spcPts val="0"/>
+              </a:spcAft>
+              <a:buNone/>
+            </a:pPr>
+            <a:r>
+              <a:rPr lang="ko"/>
+              <a:t>accept 대기</a:t>
+            </a:r>
+            <a:endParaRPr/>
+          </a:p>
+        </p:txBody>
+      </p:sp>
+      <p:cxnSp>
+        <p:nvCxnSpPr>
+          <p:cNvPr id="86" name="Google Shape;86;p13"/>
+          <p:cNvCxnSpPr>
+            <a:stCxn id="68" idx="3"/>
+            <a:endCxn id="71" idx="1"/>
+          </p:cNvCxnSpPr>
+          <p:nvPr/>
+        </p:nvCxnSpPr>
+        <p:spPr>
+          <a:xfrm>
+            <a:off x="3170775" y="2819688"/>
+            <a:ext cx="162000" cy="0"/>
+          </a:xfrm>
+          <a:prstGeom prst="straightConnector1">
+            <a:avLst/>
+          </a:prstGeom>
+          <a:noFill/>
+          <a:ln cap="flat" cmpd="sng" w="9525">
+            <a:solidFill>
+              <a:schemeClr val="dk2"/>
+            </a:solidFill>
+            <a:prstDash val="solid"/>
+            <a:round/>
+            <a:headEnd len="med" w="med" type="none"/>
+            <a:tailEnd len="med" w="med" type="triangle"/>
+          </a:ln>
+        </p:spPr>
+      </p:cxnSp>
+      <p:sp>
+        <p:nvSpPr>
+          <p:cNvPr id="87" name="Google Shape;87;p13"/>
+          <p:cNvSpPr/>
+          <p:nvPr/>
+        </p:nvSpPr>
+        <p:spPr>
+          <a:xfrm>
+            <a:off x="1173975" y="53300"/>
+            <a:ext cx="1518600" cy="381600"/>
+          </a:xfrm>
+          <a:prstGeom prst="roundRect">
+            <a:avLst>
+              <a:gd fmla="val 16667" name="adj"/>
+            </a:avLst>
+          </a:prstGeom>
+          <a:solidFill>
+            <a:schemeClr val="lt2"/>
+          </a:solidFill>
+          <a:ln cap="flat" cmpd="sng" w="9525">
+            <a:solidFill>
+              <a:schemeClr val="dk2"/>
+            </a:solidFill>
+            <a:prstDash val="solid"/>
+            <a:round/>
+            <a:headEnd len="sm" w="sm" type="none"/>
+            <a:tailEnd len="sm" w="sm" type="none"/>
+          </a:ln>
+        </p:spPr>
+        <p:txBody>
+          <a:bodyPr anchorCtr="0" anchor="ctr" bIns="91425" lIns="91425" spcFirstLastPara="1" rIns="91425" wrap="square" tIns="91425">
+            <a:noAutofit/>
+          </a:bodyPr>
+          <a:lstStyle/>
+          <a:p>
+            <a:pPr indent="0" lvl="0" marL="0" rtl="0" algn="ctr">
+              <a:spcBef>
+                <a:spcPts val="0"/>
+              </a:spcBef>
+              <a:spcAft>
+                <a:spcPts val="0"/>
+              </a:spcAft>
+              <a:buNone/>
+            </a:pPr>
+            <a:r>
+              <a:rPr lang="ko"/>
+              <a:t>프로그램 실행</a:t>
+            </a:r>
+            <a:endParaRPr/>
+          </a:p>
+        </p:txBody>
+      </p:sp>
+      <p:cxnSp>
+        <p:nvCxnSpPr>
+          <p:cNvPr id="88" name="Google Shape;88;p13"/>
+          <p:cNvCxnSpPr>
+            <a:stCxn id="87" idx="2"/>
+            <a:endCxn id="65" idx="0"/>
+          </p:cNvCxnSpPr>
+          <p:nvPr/>
+        </p:nvCxnSpPr>
+        <p:spPr>
+          <a:xfrm flipH="1">
+            <a:off x="1501575" y="434900"/>
+            <a:ext cx="431700" cy="305400"/>
+          </a:xfrm>
+          <a:prstGeom prst="straightConnector1">
+            <a:avLst/>
+          </a:prstGeom>
+          <a:noFill/>
+          <a:ln cap="flat" cmpd="sng" w="9525">
+            <a:solidFill>
+              <a:schemeClr val="dk2"/>
+            </a:solidFill>
+            <a:prstDash val="solid"/>
+            <a:round/>
+            <a:headEnd len="med" w="med" type="none"/>
+            <a:tailEnd len="med" w="med" type="triangle"/>
+          </a:ln>
+        </p:spPr>
+      </p:cxnSp>
+      <p:cxnSp>
+        <p:nvCxnSpPr>
+          <p:cNvPr id="89" name="Google Shape;89;p13"/>
+          <p:cNvCxnSpPr>
+            <a:stCxn id="72" idx="2"/>
+            <a:endCxn id="85" idx="0"/>
+          </p:cNvCxnSpPr>
+          <p:nvPr/>
+        </p:nvCxnSpPr>
+        <p:spPr>
+          <a:xfrm flipH="1">
+            <a:off x="875825" y="1755288"/>
+            <a:ext cx="625800" cy="885000"/>
+          </a:xfrm>
+          <a:prstGeom prst="straightConnector1">
+            <a:avLst/>
+          </a:prstGeom>
+          <a:noFill/>
+          <a:ln cap="flat" cmpd="sng" w="9525">
+            <a:solidFill>
+              <a:schemeClr val="dk2"/>
+            </a:solidFill>
+            <a:prstDash val="solid"/>
+            <a:round/>
+            <a:headEnd len="med" w="med" type="none"/>
+            <a:tailEnd len="med" w="med" type="triangle"/>
+          </a:ln>
+        </p:spPr>
+      </p:cxnSp>
+      <p:cxnSp>
+        <p:nvCxnSpPr>
+          <p:cNvPr id="90" name="Google Shape;90;p13"/>
+          <p:cNvCxnSpPr>
+            <a:stCxn id="85" idx="1"/>
+            <a:endCxn id="65" idx="1"/>
+          </p:cNvCxnSpPr>
+          <p:nvPr/>
+        </p:nvCxnSpPr>
+        <p:spPr>
+          <a:xfrm flipH="1" rot="10800000">
+            <a:off x="116525" y="931025"/>
+            <a:ext cx="625800" cy="1873500"/>
+          </a:xfrm>
+          <a:prstGeom prst="bentConnector3">
+            <a:avLst>
+              <a:gd fmla="val -14961" name="adj1"/>
+            </a:avLst>
+          </a:prstGeom>
+          <a:noFill/>
+          <a:ln cap="flat" cmpd="sng" w="9525">
+            <a:solidFill>
+              <a:schemeClr val="dk2"/>
+            </a:solidFill>
+            <a:prstDash val="solid"/>
+            <a:round/>
+            <a:headEnd len="med" w="med" type="none"/>
+            <a:tailEnd len="med" w="med" type="none"/>
+          </a:ln>
+        </p:spPr>
+      </p:cxnSp>
+      <p:cxnSp>
+        <p:nvCxnSpPr>
+          <p:cNvPr id="91" name="Google Shape;91;p13"/>
+          <p:cNvCxnSpPr>
+            <a:endCxn id="65" idx="1"/>
+          </p:cNvCxnSpPr>
+          <p:nvPr/>
+        </p:nvCxnSpPr>
+        <p:spPr>
+          <a:xfrm>
+            <a:off x="580025" y="931000"/>
+            <a:ext cx="162300" cy="0"/>
+          </a:xfrm>
+          <a:prstGeom prst="straightConnector1">
+            <a:avLst/>
+          </a:prstGeom>
+          <a:noFill/>
+          <a:ln cap="flat" cmpd="sng" w="9525">
+            <a:solidFill>
+              <a:schemeClr val="dk2"/>
+            </a:solidFill>
+            <a:prstDash val="solid"/>
+            <a:round/>
+            <a:headEnd len="med" w="med" type="none"/>
+            <a:tailEnd len="med" w="med" type="triangle"/>
+          </a:ln>
+        </p:spPr>
+      </p:cxnSp>
+      <p:cxnSp>
+        <p:nvCxnSpPr>
+          <p:cNvPr id="92" name="Google Shape;92;p13"/>
+          <p:cNvCxnSpPr>
+            <a:stCxn id="59" idx="3"/>
+            <a:endCxn id="72" idx="2"/>
+          </p:cNvCxnSpPr>
+          <p:nvPr/>
+        </p:nvCxnSpPr>
+        <p:spPr>
+          <a:xfrm rot="10800000">
+            <a:off x="1501725" y="1755413"/>
+            <a:ext cx="1726200" cy="636900"/>
+          </a:xfrm>
+          <a:prstGeom prst="straightConnector1">
+            <a:avLst/>
+          </a:prstGeom>
+          <a:noFill/>
+          <a:ln cap="flat" cmpd="sng" w="19050">
+            <a:solidFill>
+              <a:srgbClr val="FF0000"/>
+            </a:solidFill>
+            <a:prstDash val="dashDot"/>
+            <a:round/>
+            <a:headEnd len="med" w="med" type="none"/>
+            <a:tailEnd len="med" w="med" type="diamond"/>
+          </a:ln>
+        </p:spPr>
+      </p:cxnSp>
+      <p:sp>
+        <p:nvSpPr>
+          <p:cNvPr id="93" name="Google Shape;93;p13"/>
+          <p:cNvSpPr txBox="1"/>
+          <p:nvPr/>
+        </p:nvSpPr>
+        <p:spPr>
+          <a:xfrm>
+            <a:off x="12725" y="47775"/>
+            <a:ext cx="1726200" cy="591300"/>
+          </a:xfrm>
+          <a:prstGeom prst="rect">
+            <a:avLst/>
+          </a:prstGeom>
+          <a:noFill/>
+          <a:ln>
+            <a:noFill/>
+          </a:ln>
+        </p:spPr>
+        <p:txBody>
+          <a:bodyPr anchorCtr="0" anchor="t" bIns="91425" lIns="91425" spcFirstLastPara="1" rIns="91425" wrap="square" tIns="91425">
+            <a:noAutofit/>
+          </a:bodyPr>
+          <a:lstStyle/>
+          <a:p>
+            <a:pPr indent="0" lvl="0" marL="0" rtl="0" algn="l">
+              <a:spcBef>
+                <a:spcPts val="0"/>
+              </a:spcBef>
+              <a:spcAft>
+                <a:spcPts val="0"/>
+              </a:spcAft>
+              <a:buNone/>
+            </a:pPr>
+            <a:r>
+              <a:rPr lang="ko"/>
+              <a:t>Server </a:t>
+            </a:r>
+            <a:endParaRPr/>
+          </a:p>
+          <a:p>
+            <a:pPr indent="0" lvl="0" marL="0" rtl="0" algn="l">
+              <a:spcBef>
+                <a:spcPts val="0"/>
+              </a:spcBef>
+              <a:spcAft>
+                <a:spcPts val="0"/>
+              </a:spcAft>
+              <a:buNone/>
+            </a:pPr>
+            <a:r>
+              <a:rPr lang="ko"/>
+              <a:t>(Main thread)</a:t>
+            </a:r>
+            <a:endParaRPr/>
+          </a:p>
+        </p:txBody>
+      </p:sp>
     </p:spTree>
   </p:cSld>
   <p:clrMapOvr>
@@ -6910,7 +7323,7 @@
   <p:cSld>
     <p:spTree>
       <p:nvGrpSpPr>
-        <p:cNvPr id="87" name="Shape 87"/>
+        <p:cNvPr id="97" name="Shape 97"/>
         <p:cNvGrpSpPr/>
         <p:nvPr/>
       </p:nvGrpSpPr>
@@ -6924,7 +7337,7 @@
       </p:grpSpPr>
       <p:sp>
         <p:nvSpPr>
-          <p:cNvPr id="88" name="Google Shape;88;p14"/>
+          <p:cNvPr id="98" name="Google Shape;98;p14"/>
           <p:cNvSpPr/>
           <p:nvPr/>
         </p:nvSpPr>
@@ -6973,7 +7386,7 @@
       </p:sp>
       <p:sp>
         <p:nvSpPr>
-          <p:cNvPr id="89" name="Google Shape;89;p14"/>
+          <p:cNvPr id="99" name="Google Shape;99;p14"/>
           <p:cNvSpPr/>
           <p:nvPr/>
         </p:nvSpPr>
@@ -7022,7 +7435,7 @@
       </p:sp>
       <p:sp>
         <p:nvSpPr>
-          <p:cNvPr id="90" name="Google Shape;90;p14"/>
+          <p:cNvPr id="100" name="Google Shape;100;p14"/>
           <p:cNvSpPr/>
           <p:nvPr/>
         </p:nvSpPr>
@@ -7074,7 +7487,7 @@
       </p:sp>
       <p:sp>
         <p:nvSpPr>
-          <p:cNvPr id="91" name="Google Shape;91;p14"/>
+          <p:cNvPr id="101" name="Google Shape;101;p14"/>
           <p:cNvSpPr/>
           <p:nvPr/>
         </p:nvSpPr>
@@ -7126,7 +7539,7 @@
       </p:sp>
       <p:sp>
         <p:nvSpPr>
-          <p:cNvPr id="92" name="Google Shape;92;p14"/>
+          <p:cNvPr id="102" name="Google Shape;102;p14"/>
           <p:cNvSpPr/>
           <p:nvPr/>
         </p:nvSpPr>
@@ -7178,7 +7591,7 @@
       </p:sp>
       <p:sp>
         <p:nvSpPr>
-          <p:cNvPr id="93" name="Google Shape;93;p14"/>
+          <p:cNvPr id="103" name="Google Shape;103;p14"/>
           <p:cNvSpPr/>
           <p:nvPr/>
         </p:nvSpPr>
@@ -7230,7 +7643,7 @@
       </p:sp>
       <p:sp>
         <p:nvSpPr>
-          <p:cNvPr id="94" name="Google Shape;94;p14"/>
+          <p:cNvPr id="104" name="Google Shape;104;p14"/>
           <p:cNvSpPr/>
           <p:nvPr/>
         </p:nvSpPr>
@@ -7282,10 +7695,10 @@
       </p:sp>
       <p:cxnSp>
         <p:nvCxnSpPr>
-          <p:cNvPr id="95" name="Google Shape;95;p14"/>
+          <p:cNvPr id="105" name="Google Shape;105;p14"/>
           <p:cNvCxnSpPr>
-            <a:stCxn id="94" idx="2"/>
-            <a:endCxn id="90" idx="0"/>
+            <a:stCxn id="104" idx="2"/>
+            <a:endCxn id="100" idx="0"/>
           </p:cNvCxnSpPr>
           <p:nvPr/>
         </p:nvCxnSpPr>
@@ -7311,10 +7724,10 @@
       </p:cxnSp>
       <p:cxnSp>
         <p:nvCxnSpPr>
-          <p:cNvPr id="96" name="Google Shape;96;p14"/>
+          <p:cNvPr id="106" name="Google Shape;106;p14"/>
           <p:cNvCxnSpPr>
-            <a:stCxn id="90" idx="2"/>
-            <a:endCxn id="92" idx="0"/>
+            <a:stCxn id="100" idx="2"/>
+            <a:endCxn id="102" idx="0"/>
           </p:cNvCxnSpPr>
           <p:nvPr/>
         </p:nvCxnSpPr>
@@ -7340,10 +7753,10 @@
       </p:cxnSp>
       <p:cxnSp>
         <p:nvCxnSpPr>
-          <p:cNvPr id="97" name="Google Shape;97;p14"/>
+          <p:cNvPr id="107" name="Google Shape;107;p14"/>
           <p:cNvCxnSpPr>
-            <a:stCxn id="92" idx="2"/>
-            <a:endCxn id="93" idx="0"/>
+            <a:stCxn id="102" idx="2"/>
+            <a:endCxn id="103" idx="0"/>
           </p:cNvCxnSpPr>
           <p:nvPr/>
         </p:nvCxnSpPr>
@@ -7369,10 +7782,10 @@
       </p:cxnSp>
       <p:cxnSp>
         <p:nvCxnSpPr>
-          <p:cNvPr id="98" name="Google Shape;98;p14"/>
+          <p:cNvPr id="108" name="Google Shape;108;p14"/>
           <p:cNvCxnSpPr>
-            <a:stCxn id="91" idx="1"/>
-            <a:endCxn id="94" idx="3"/>
+            <a:stCxn id="101" idx="1"/>
+            <a:endCxn id="104" idx="3"/>
           </p:cNvCxnSpPr>
           <p:nvPr/>
         </p:nvCxnSpPr>
@@ -7398,7 +7811,7 @@
       </p:cxnSp>
       <p:sp>
         <p:nvSpPr>
-          <p:cNvPr id="99" name="Google Shape;99;p14"/>
+          <p:cNvPr id="109" name="Google Shape;109;p14"/>
           <p:cNvSpPr/>
           <p:nvPr/>
         </p:nvSpPr>
@@ -7450,10 +7863,10 @@
       </p:sp>
       <p:cxnSp>
         <p:nvCxnSpPr>
-          <p:cNvPr id="100" name="Google Shape;100;p14"/>
+          <p:cNvPr id="110" name="Google Shape;110;p14"/>
           <p:cNvCxnSpPr>
-            <a:stCxn id="91" idx="2"/>
-            <a:endCxn id="99" idx="0"/>
+            <a:stCxn id="101" idx="2"/>
+            <a:endCxn id="109" idx="0"/>
           </p:cNvCxnSpPr>
           <p:nvPr/>
         </p:nvCxnSpPr>
@@ -7479,9 +7892,9 @@
       </p:cxnSp>
       <p:cxnSp>
         <p:nvCxnSpPr>
-          <p:cNvPr id="101" name="Google Shape;101;p14"/>
+          <p:cNvPr id="111" name="Google Shape;111;p14"/>
           <p:cNvCxnSpPr>
-            <a:stCxn id="90" idx="3"/>
+            <a:stCxn id="100" idx="3"/>
           </p:cNvCxnSpPr>
           <p:nvPr/>
         </p:nvCxnSpPr>
@@ -7507,7 +7920,7 @@
       </p:cxnSp>
       <p:sp>
         <p:nvSpPr>
-          <p:cNvPr id="102" name="Google Shape;102;p14"/>
+          <p:cNvPr id="112" name="Google Shape;112;p14"/>
           <p:cNvSpPr/>
           <p:nvPr/>
         </p:nvSpPr>
@@ -7559,10 +7972,10 @@
       </p:sp>
       <p:cxnSp>
         <p:nvCxnSpPr>
-          <p:cNvPr id="103" name="Google Shape;103;p14"/>
+          <p:cNvPr id="113" name="Google Shape;113;p14"/>
           <p:cNvCxnSpPr>
-            <a:stCxn id="99" idx="2"/>
-            <a:endCxn id="102" idx="0"/>
+            <a:stCxn id="109" idx="2"/>
+            <a:endCxn id="112" idx="0"/>
           </p:cNvCxnSpPr>
           <p:nvPr/>
         </p:nvCxnSpPr>
@@ -7588,9 +8001,9 @@
       </p:cxnSp>
       <p:cxnSp>
         <p:nvCxnSpPr>
-          <p:cNvPr id="104" name="Google Shape;104;p14"/>
+          <p:cNvPr id="114" name="Google Shape;114;p14"/>
           <p:cNvCxnSpPr>
-            <a:stCxn id="93" idx="3"/>
+            <a:stCxn id="103" idx="3"/>
           </p:cNvCxnSpPr>
           <p:nvPr/>
         </p:nvCxnSpPr>
@@ -7616,7 +8029,7 @@
       </p:cxnSp>
       <p:sp>
         <p:nvSpPr>
-          <p:cNvPr id="105" name="Google Shape;105;p14"/>
+          <p:cNvPr id="115" name="Google Shape;115;p14"/>
           <p:cNvSpPr/>
           <p:nvPr/>
         </p:nvSpPr>
@@ -7668,7 +8081,7 @@
       </p:sp>
       <p:sp>
         <p:nvSpPr>
-          <p:cNvPr id="106" name="Google Shape;106;p14"/>
+          <p:cNvPr id="116" name="Google Shape;116;p14"/>
           <p:cNvSpPr/>
           <p:nvPr/>
         </p:nvSpPr>
@@ -7718,10 +8131,10 @@
       </p:sp>
       <p:cxnSp>
         <p:nvCxnSpPr>
-          <p:cNvPr id="107" name="Google Shape;107;p14"/>
+          <p:cNvPr id="117" name="Google Shape;117;p14"/>
           <p:cNvCxnSpPr>
-            <a:stCxn id="89" idx="2"/>
-            <a:endCxn id="106" idx="0"/>
+            <a:stCxn id="99" idx="2"/>
+            <a:endCxn id="116" idx="0"/>
           </p:cNvCxnSpPr>
           <p:nvPr/>
         </p:nvCxnSpPr>
@@ -7747,10 +8160,10 @@
       </p:cxnSp>
       <p:cxnSp>
         <p:nvCxnSpPr>
-          <p:cNvPr id="108" name="Google Shape;108;p14"/>
+          <p:cNvPr id="118" name="Google Shape;118;p14"/>
           <p:cNvCxnSpPr>
-            <a:stCxn id="106" idx="3"/>
-            <a:endCxn id="89" idx="0"/>
+            <a:stCxn id="116" idx="3"/>
+            <a:endCxn id="99" idx="0"/>
           </p:cNvCxnSpPr>
           <p:nvPr/>
         </p:nvCxnSpPr>
@@ -7779,9 +8192,9 @@
       </p:cxnSp>
       <p:cxnSp>
         <p:nvCxnSpPr>
-          <p:cNvPr id="109" name="Google Shape;109;p14"/>
+          <p:cNvPr id="119" name="Google Shape;119;p14"/>
           <p:cNvCxnSpPr>
-            <a:endCxn id="89" idx="0"/>
+            <a:endCxn id="99" idx="0"/>
           </p:cNvCxnSpPr>
           <p:nvPr/>
         </p:nvCxnSpPr>
@@ -7807,7 +8220,7 @@
       </p:cxnSp>
       <p:sp>
         <p:nvSpPr>
-          <p:cNvPr id="110" name="Google Shape;110;p14"/>
+          <p:cNvPr id="120" name="Google Shape;120;p14"/>
           <p:cNvSpPr txBox="1"/>
           <p:nvPr/>
         </p:nvSpPr>
@@ -7849,7 +8262,7 @@
       </p:sp>
       <p:sp>
         <p:nvSpPr>
-          <p:cNvPr id="111" name="Google Shape;111;p14"/>
+          <p:cNvPr id="121" name="Google Shape;121;p14"/>
           <p:cNvSpPr/>
           <p:nvPr/>
         </p:nvSpPr>
@@ -7899,10 +8312,10 @@
       </p:sp>
       <p:cxnSp>
         <p:nvCxnSpPr>
-          <p:cNvPr id="112" name="Google Shape;112;p14"/>
+          <p:cNvPr id="122" name="Google Shape;122;p14"/>
           <p:cNvCxnSpPr>
-            <a:stCxn id="88" idx="2"/>
-            <a:endCxn id="111" idx="0"/>
+            <a:stCxn id="98" idx="2"/>
+            <a:endCxn id="121" idx="0"/>
           </p:cNvCxnSpPr>
           <p:nvPr/>
         </p:nvCxnSpPr>
@@ -7928,10 +8341,10 @@
       </p:cxnSp>
       <p:cxnSp>
         <p:nvCxnSpPr>
-          <p:cNvPr id="113" name="Google Shape;113;p14"/>
+          <p:cNvPr id="123" name="Google Shape;123;p14"/>
           <p:cNvCxnSpPr>
-            <a:stCxn id="111" idx="3"/>
-            <a:endCxn id="105" idx="1"/>
+            <a:stCxn id="121" idx="3"/>
+            <a:endCxn id="115" idx="1"/>
           </p:cNvCxnSpPr>
           <p:nvPr/>
         </p:nvCxnSpPr>
@@ -7957,7 +8370,7 @@
       </p:cxnSp>
       <p:sp>
         <p:nvSpPr>
-          <p:cNvPr id="114" name="Google Shape;114;p14"/>
+          <p:cNvPr id="124" name="Google Shape;124;p14"/>
           <p:cNvSpPr txBox="1"/>
           <p:nvPr/>
         </p:nvSpPr>
@@ -7999,7 +8412,7 @@
       </p:sp>
       <p:sp>
         <p:nvSpPr>
-          <p:cNvPr id="115" name="Google Shape;115;p14"/>
+          <p:cNvPr id="125" name="Google Shape;125;p14"/>
           <p:cNvSpPr/>
           <p:nvPr/>
         </p:nvSpPr>
@@ -8051,10 +8464,10 @@
       </p:sp>
       <p:cxnSp>
         <p:nvCxnSpPr>
-          <p:cNvPr id="116" name="Google Shape;116;p14"/>
+          <p:cNvPr id="126" name="Google Shape;126;p14"/>
           <p:cNvCxnSpPr>
-            <a:stCxn id="105" idx="0"/>
-            <a:endCxn id="115" idx="2"/>
+            <a:stCxn id="115" idx="0"/>
+            <a:endCxn id="125" idx="2"/>
           </p:cNvCxnSpPr>
           <p:nvPr/>
         </p:nvCxnSpPr>
@@ -8080,10 +8493,10 @@
       </p:cxnSp>
       <p:cxnSp>
         <p:nvCxnSpPr>
-          <p:cNvPr id="117" name="Google Shape;117;p14"/>
+          <p:cNvPr id="127" name="Google Shape;127;p14"/>
           <p:cNvCxnSpPr>
-            <a:stCxn id="115" idx="0"/>
-            <a:endCxn id="88" idx="0"/>
+            <a:stCxn id="125" idx="0"/>
+            <a:endCxn id="98" idx="0"/>
           </p:cNvCxnSpPr>
           <p:nvPr/>
         </p:nvCxnSpPr>
@@ -8111,9 +8524,9 @@
       </p:cxnSp>
       <p:cxnSp>
         <p:nvCxnSpPr>
-          <p:cNvPr id="118" name="Google Shape;118;p14"/>
+          <p:cNvPr id="128" name="Google Shape;128;p14"/>
           <p:cNvCxnSpPr>
-            <a:endCxn id="88" idx="0"/>
+            <a:endCxn id="98" idx="0"/>
           </p:cNvCxnSpPr>
           <p:nvPr/>
         </p:nvCxnSpPr>
@@ -8139,14 +8552,14 @@
       </p:cxnSp>
       <p:sp>
         <p:nvSpPr>
-          <p:cNvPr id="119" name="Google Shape;119;p14"/>
+          <p:cNvPr id="129" name="Google Shape;129;p14"/>
           <p:cNvSpPr txBox="1"/>
           <p:nvPr/>
         </p:nvSpPr>
         <p:spPr>
           <a:xfrm>
-            <a:off x="3822013" y="556900"/>
-            <a:ext cx="1566900" cy="404400"/>
+            <a:off x="3822026" y="556900"/>
+            <a:ext cx="1776900" cy="404400"/>
           </a:xfrm>
           <a:prstGeom prst="rect">
             <a:avLst/>
@@ -8173,7 +8586,7 @@
             </a:pPr>
             <a:r>
               <a:rPr lang="ko" sz="900"/>
-              <a:t>cs_player_move_packet()</a:t>
+              <a:t>cs_player_move_packet 전송</a:t>
             </a:r>
             <a:endParaRPr sz="900"/>
           </a:p>
@@ -8189,7 +8602,7 @@
             </a:pPr>
             <a:r>
               <a:rPr lang="ko" sz="900"/>
-              <a:t>cs_player_shot_packet()</a:t>
+              <a:t>cs_player_shot_packet 전송</a:t>
             </a:r>
             <a:endParaRPr sz="900"/>
           </a:p>
@@ -8197,14 +8610,14 @@
       </p:sp>
       <p:sp>
         <p:nvSpPr>
-          <p:cNvPr id="120" name="Google Shape;120;p14"/>
+          <p:cNvPr id="130" name="Google Shape;130;p14"/>
           <p:cNvSpPr txBox="1"/>
           <p:nvPr/>
         </p:nvSpPr>
         <p:spPr>
           <a:xfrm>
             <a:off x="2908800" y="1377875"/>
-            <a:ext cx="1663200" cy="404400"/>
+            <a:ext cx="1959900" cy="404400"/>
           </a:xfrm>
           <a:prstGeom prst="rect">
             <a:avLst/>
@@ -8231,7 +8644,7 @@
             </a:pPr>
             <a:r>
               <a:rPr lang="ko" sz="1000"/>
-              <a:t>sc_move_object_packet()</a:t>
+              <a:t>sc_move_object_packet 전송</a:t>
             </a:r>
             <a:endParaRPr sz="1000"/>
           </a:p>
@@ -8239,14 +8652,14 @@
       </p:sp>
       <p:sp>
         <p:nvSpPr>
-          <p:cNvPr id="121" name="Google Shape;121;p14"/>
+          <p:cNvPr id="131" name="Google Shape;131;p14"/>
           <p:cNvSpPr txBox="1"/>
           <p:nvPr/>
         </p:nvSpPr>
         <p:spPr>
           <a:xfrm>
             <a:off x="3301425" y="3258950"/>
-            <a:ext cx="1796400" cy="404400"/>
+            <a:ext cx="2053500" cy="404400"/>
           </a:xfrm>
           <a:prstGeom prst="rect">
             <a:avLst/>
@@ -8273,7 +8686,7 @@
             </a:pPr>
             <a:r>
               <a:rPr lang="ko" sz="1000"/>
-              <a:t>sc_collision_object_packet()</a:t>
+              <a:t>sc_collision_object_packet 전송</a:t>
             </a:r>
             <a:endParaRPr sz="1000"/>
           </a:p>
@@ -8289,7 +8702,7 @@
             </a:pPr>
             <a:r>
               <a:rPr lang="ko" sz="1000"/>
-              <a:t>sc_delete_object_packet()</a:t>
+              <a:t>sc_delete_object_packet 전송</a:t>
             </a:r>
             <a:endParaRPr sz="1000"/>
           </a:p>
@@ -8297,9 +8710,9 @@
       </p:sp>
       <p:cxnSp>
         <p:nvCxnSpPr>
-          <p:cNvPr id="122" name="Google Shape;122;p14"/>
+          <p:cNvPr id="132" name="Google Shape;132;p14"/>
           <p:cNvCxnSpPr>
-            <a:stCxn id="94" idx="3"/>
+            <a:stCxn id="104" idx="3"/>
           </p:cNvCxnSpPr>
           <p:nvPr/>
         </p:nvCxnSpPr>
@@ -8325,14 +8738,14 @@
       </p:cxnSp>
       <p:sp>
         <p:nvSpPr>
-          <p:cNvPr id="123" name="Google Shape;123;p14"/>
+          <p:cNvPr id="133" name="Google Shape;133;p14"/>
           <p:cNvSpPr txBox="1"/>
           <p:nvPr/>
         </p:nvSpPr>
         <p:spPr>
           <a:xfrm>
             <a:off x="2518050" y="927275"/>
-            <a:ext cx="1725000" cy="404400"/>
+            <a:ext cx="1892700" cy="404400"/>
           </a:xfrm>
           <a:prstGeom prst="rect">
             <a:avLst/>
@@ -8359,7 +8772,7 @@
             </a:pPr>
             <a:r>
               <a:rPr lang="ko" sz="1000"/>
-              <a:t>sc_create_object_packet()</a:t>
+              <a:t>sc_create_object_packet 전송</a:t>
             </a:r>
             <a:endParaRPr sz="1000"/>
           </a:p>
@@ -8378,7 +8791,7 @@
   <p:cSld>
     <p:spTree>
       <p:nvGrpSpPr>
-        <p:cNvPr id="127" name="Shape 127"/>
+        <p:cNvPr id="137" name="Shape 137"/>
         <p:cNvGrpSpPr/>
         <p:nvPr/>
       </p:nvGrpSpPr>
@@ -8392,7 +8805,7 @@
       </p:grpSpPr>
       <p:sp>
         <p:nvSpPr>
-          <p:cNvPr id="128" name="Google Shape;128;p15"/>
+          <p:cNvPr id="138" name="Google Shape;138;p15"/>
           <p:cNvSpPr/>
           <p:nvPr/>
         </p:nvSpPr>
@@ -8537,7 +8950,7 @@
       </p:sp>
       <p:sp>
         <p:nvSpPr>
-          <p:cNvPr id="129" name="Google Shape;129;p15"/>
+          <p:cNvPr id="139" name="Google Shape;139;p15"/>
           <p:cNvSpPr/>
           <p:nvPr/>
         </p:nvSpPr>
@@ -8587,7 +9000,7 @@
       </p:sp>
       <p:sp>
         <p:nvSpPr>
-          <p:cNvPr id="130" name="Google Shape;130;p15"/>
+          <p:cNvPr id="140" name="Google Shape;140;p15"/>
           <p:cNvSpPr/>
           <p:nvPr/>
         </p:nvSpPr>
@@ -8659,7 +9072,7 @@
       </p:sp>
       <p:sp>
         <p:nvSpPr>
-          <p:cNvPr id="131" name="Google Shape;131;p15"/>
+          <p:cNvPr id="141" name="Google Shape;141;p15"/>
           <p:cNvSpPr/>
           <p:nvPr/>
         </p:nvSpPr>
@@ -8709,7 +9122,7 @@
       </p:sp>
       <p:sp>
         <p:nvSpPr>
-          <p:cNvPr id="132" name="Google Shape;132;p15"/>
+          <p:cNvPr id="142" name="Google Shape;142;p15"/>
           <p:cNvSpPr/>
           <p:nvPr/>
         </p:nvSpPr>
@@ -8969,7 +9382,7 @@
       </p:sp>
       <p:sp>
         <p:nvSpPr>
-          <p:cNvPr id="133" name="Google Shape;133;p15"/>
+          <p:cNvPr id="143" name="Google Shape;143;p15"/>
           <p:cNvSpPr/>
           <p:nvPr/>
         </p:nvSpPr>
@@ -9019,7 +9432,7 @@
       </p:sp>
       <p:sp>
         <p:nvSpPr>
-          <p:cNvPr id="134" name="Google Shape;134;p15"/>
+          <p:cNvPr id="144" name="Google Shape;144;p15"/>
           <p:cNvSpPr/>
           <p:nvPr/>
         </p:nvSpPr>
@@ -9135,7 +9548,7 @@
       </p:sp>
       <p:sp>
         <p:nvSpPr>
-          <p:cNvPr id="135" name="Google Shape;135;p15"/>
+          <p:cNvPr id="145" name="Google Shape;145;p15"/>
           <p:cNvSpPr/>
           <p:nvPr/>
         </p:nvSpPr>
@@ -9251,7 +9664,7 @@
       </p:sp>
       <p:sp>
         <p:nvSpPr>
-          <p:cNvPr id="136" name="Google Shape;136;p15"/>
+          <p:cNvPr id="146" name="Google Shape;146;p15"/>
           <p:cNvSpPr/>
           <p:nvPr/>
         </p:nvSpPr>
@@ -9351,7 +9764,7 @@
       </p:sp>
       <p:sp>
         <p:nvSpPr>
-          <p:cNvPr id="137" name="Google Shape;137;p15"/>
+          <p:cNvPr id="147" name="Google Shape;147;p15"/>
           <p:cNvSpPr/>
           <p:nvPr/>
         </p:nvSpPr>
@@ -9467,7 +9880,7 @@
       </p:sp>
       <p:sp>
         <p:nvSpPr>
-          <p:cNvPr id="138" name="Google Shape;138;p15"/>
+          <p:cNvPr id="148" name="Google Shape;148;p15"/>
           <p:cNvSpPr/>
           <p:nvPr/>
         </p:nvSpPr>
@@ -9567,7 +9980,7 @@
       </p:sp>
       <p:sp>
         <p:nvSpPr>
-          <p:cNvPr id="139" name="Google Shape;139;p15"/>
+          <p:cNvPr id="149" name="Google Shape;149;p15"/>
           <p:cNvSpPr/>
           <p:nvPr/>
         </p:nvSpPr>
@@ -9667,7 +10080,7 @@
       </p:sp>
       <p:sp>
         <p:nvSpPr>
-          <p:cNvPr id="140" name="Google Shape;140;p15"/>
+          <p:cNvPr id="150" name="Google Shape;150;p15"/>
           <p:cNvSpPr/>
           <p:nvPr/>
         </p:nvSpPr>
@@ -9767,7 +10180,7 @@
       </p:sp>
       <p:sp>
         <p:nvSpPr>
-          <p:cNvPr id="141" name="Google Shape;141;p15"/>
+          <p:cNvPr id="151" name="Google Shape;151;p15"/>
           <p:cNvSpPr/>
           <p:nvPr/>
         </p:nvSpPr>
@@ -9912,7 +10325,7 @@
       </p:sp>
       <p:sp>
         <p:nvSpPr>
-          <p:cNvPr id="142" name="Google Shape;142;p15"/>
+          <p:cNvPr id="152" name="Google Shape;152;p15"/>
           <p:cNvSpPr/>
           <p:nvPr/>
         </p:nvSpPr>
@@ -9969,6 +10382,285 @@
 </file>
 
 <file path=ppt/theme/theme1.xml><?xml version="1.0" encoding="utf-8"?>
+<a:theme xmlns:a="http://schemas.openxmlformats.org/drawingml/2006/main" xmlns:r="http://schemas.openxmlformats.org/officeDocument/2006/relationships">
+  <a:themeElements>
+    <a:clrScheme name="Default">
+      <a:dk1>
+        <a:srgbClr val="000000"/>
+      </a:dk1>
+      <a:lt1>
+        <a:srgbClr val="FFFFFF"/>
+      </a:lt1>
+      <a:dk2>
+        <a:srgbClr val="158158"/>
+      </a:dk2>
+      <a:lt2>
+        <a:srgbClr val="F3F3F3"/>
+      </a:lt2>
+      <a:accent1>
+        <a:srgbClr val="058DC7"/>
+      </a:accent1>
+      <a:accent2>
+        <a:srgbClr val="50B432"/>
+      </a:accent2>
+      <a:accent3>
+        <a:srgbClr val="ED561B"/>
+      </a:accent3>
+      <a:accent4>
+        <a:srgbClr val="EDEF00"/>
+      </a:accent4>
+      <a:accent5>
+        <a:srgbClr val="24CBE5"/>
+      </a:accent5>
+      <a:accent6>
+        <a:srgbClr val="64E572"/>
+      </a:accent6>
+      <a:hlink>
+        <a:srgbClr val="2200CC"/>
+      </a:hlink>
+      <a:folHlink>
+        <a:srgbClr val="551A8B"/>
+      </a:folHlink>
+    </a:clrScheme>
+    <a:fontScheme name="Office">
+      <a:majorFont>
+        <a:latin typeface="Arial"/>
+        <a:ea typeface=""/>
+        <a:cs typeface=""/>
+        <a:font script="Jpan" typeface="ＭＳ Ｐゴシック"/>
+        <a:font script="Hang" typeface="맑은 고딕"/>
+        <a:font script="Hans" typeface="宋体"/>
+        <a:font script="Hant" typeface="新細明體"/>
+        <a:font script="Arab" typeface="Times New Roman"/>
+        <a:font script="Hebr" typeface="Times New Roman"/>
+        <a:font script="Thai" typeface="Angsana New"/>
+        <a:font script="Ethi" typeface="Nyala"/>
+        <a:font script="Beng" typeface="Vrinda"/>
+        <a:font script="Gujr" typeface="Shruti"/>
+        <a:font script="Khmr" typeface="MoolBoran"/>
+        <a:font script="Knda" typeface="Tunga"/>
+        <a:font script="Guru" typeface="Raavi"/>
+        <a:font script="Cans" typeface="Euphemia"/>
+        <a:font script="Cher" typeface="Plantagenet Cherokee"/>
+        <a:font script="Yiii" typeface="Microsoft Yi Baiti"/>
+        <a:font script="Tibt" typeface="Microsoft Himalaya"/>
+        <a:font script="Thaa" typeface="MV Boli"/>
+        <a:font script="Deva" typeface="Mangal"/>
+        <a:font script="Telu" typeface="Gautami"/>
+        <a:font script="Taml" typeface="Latha"/>
+        <a:font script="Syrc" typeface="Estrangelo Edessa"/>
+        <a:font script="Orya" typeface="Kalinga"/>
+        <a:font script="Mlym" typeface="Kartika"/>
+        <a:font script="Laoo" typeface="DokChampa"/>
+        <a:font script="Sinh" typeface="Iskoola Pota"/>
+        <a:font script="Mong" typeface="Mongolian Baiti"/>
+        <a:font script="Viet" typeface="Times New Roman"/>
+        <a:font script="Uigh" typeface="Microsoft Uighur"/>
+        <a:font script="Geor" typeface="Sylfaen"/>
+      </a:majorFont>
+      <a:minorFont>
+        <a:latin typeface="Arial"/>
+        <a:ea typeface=""/>
+        <a:cs typeface=""/>
+        <a:font script="Jpan" typeface="ＭＳ Ｐゴシック"/>
+        <a:font script="Hang" typeface="맑은 고딕"/>
+        <a:font script="Hans" typeface="宋体"/>
+        <a:font script="Hant" typeface="新細明體"/>
+        <a:font script="Arab" typeface="Arial"/>
+        <a:font script="Hebr" typeface="Arial"/>
+        <a:font script="Thai" typeface="Cordia New"/>
+        <a:font script="Ethi" typeface="Nyala"/>
+        <a:font script="Beng" typeface="Vrinda"/>
+        <a:font script="Gujr" typeface="Shruti"/>
+        <a:font script="Khmr" typeface="DaunPenh"/>
+        <a:font script="Knda" typeface="Tunga"/>
+        <a:font script="Guru" typeface="Raavi"/>
+        <a:font script="Cans" typeface="Euphemia"/>
+        <a:font script="Cher" typeface="Plantagenet Cherokee"/>
+        <a:font script="Yiii" typeface="Microsoft Yi Baiti"/>
+        <a:font script="Tibt" typeface="Microsoft Himalaya"/>
+        <a:font script="Thaa" typeface="MV Boli"/>
+        <a:font script="Deva" typeface="Mangal"/>
+        <a:font script="Telu" typeface="Gautami"/>
+        <a:font script="Taml" typeface="Latha"/>
+        <a:font script="Syrc" typeface="Estrangelo Edessa"/>
+        <a:font script="Orya" typeface="Kalinga"/>
+        <a:font script="Mlym" typeface="Kartika"/>
+        <a:font script="Laoo" typeface="DokChampa"/>
+        <a:font script="Sinh" typeface="Iskoola Pota"/>
+        <a:font script="Mong" typeface="Mongolian Baiti"/>
+        <a:font script="Viet" typeface="Arial"/>
+        <a:font script="Uigh" typeface="Microsoft Uighur"/>
+        <a:font script="Geor" typeface="Sylfaen"/>
+      </a:minorFont>
+    </a:fontScheme>
+    <a:fmtScheme name="Office">
+      <a:fillStyleLst>
+        <a:solidFill>
+          <a:schemeClr val="phClr"/>
+        </a:solidFill>
+        <a:gradFill rotWithShape="1">
+          <a:gsLst>
+            <a:gs pos="0">
+              <a:schemeClr val="phClr">
+                <a:tint val="50000"/>
+                <a:satMod val="300000"/>
+              </a:schemeClr>
+            </a:gs>
+            <a:gs pos="35000">
+              <a:schemeClr val="phClr">
+                <a:tint val="37000"/>
+                <a:satMod val="300000"/>
+              </a:schemeClr>
+            </a:gs>
+            <a:gs pos="100000">
+              <a:schemeClr val="phClr">
+                <a:tint val="15000"/>
+                <a:satMod val="350000"/>
+              </a:schemeClr>
+            </a:gs>
+          </a:gsLst>
+          <a:lin ang="16200000" scaled="1"/>
+        </a:gradFill>
+        <a:gradFill rotWithShape="1">
+          <a:gsLst>
+            <a:gs pos="0">
+              <a:schemeClr val="phClr">
+                <a:tint val="100000"/>
+                <a:shade val="100000"/>
+                <a:satMod val="130000"/>
+              </a:schemeClr>
+            </a:gs>
+            <a:gs pos="100000">
+              <a:schemeClr val="phClr">
+                <a:tint val="50000"/>
+                <a:shade val="100000"/>
+                <a:satMod val="350000"/>
+              </a:schemeClr>
+            </a:gs>
+          </a:gsLst>
+          <a:lin ang="16200000" scaled="0"/>
+        </a:gradFill>
+      </a:fillStyleLst>
+      <a:lnStyleLst>
+        <a:ln w="9525" cap="flat" cmpd="sng" algn="ctr">
+          <a:solidFill>
+            <a:schemeClr val="phClr">
+              <a:shade val="95000"/>
+              <a:satMod val="105000"/>
+            </a:schemeClr>
+          </a:solidFill>
+          <a:prstDash val="solid"/>
+        </a:ln>
+        <a:ln w="25400" cap="flat" cmpd="sng" algn="ctr">
+          <a:solidFill>
+            <a:schemeClr val="phClr"/>
+          </a:solidFill>
+          <a:prstDash val="solid"/>
+        </a:ln>
+        <a:ln w="38100" cap="flat" cmpd="sng" algn="ctr">
+          <a:solidFill>
+            <a:schemeClr val="phClr"/>
+          </a:solidFill>
+          <a:prstDash val="solid"/>
+        </a:ln>
+      </a:lnStyleLst>
+      <a:effectStyleLst>
+        <a:effectStyle>
+          <a:effectLst>
+            <a:outerShdw blurRad="40000" dist="20000" dir="5400000" rotWithShape="0">
+              <a:srgbClr val="000000">
+                <a:alpha val="38000"/>
+              </a:srgbClr>
+            </a:outerShdw>
+          </a:effectLst>
+        </a:effectStyle>
+        <a:effectStyle>
+          <a:effectLst>
+            <a:outerShdw blurRad="40000" dist="23000" dir="5400000" rotWithShape="0">
+              <a:srgbClr val="000000">
+                <a:alpha val="35000"/>
+              </a:srgbClr>
+            </a:outerShdw>
+          </a:effectLst>
+        </a:effectStyle>
+        <a:effectStyle>
+          <a:effectLst>
+            <a:outerShdw blurRad="40000" dist="23000" dir="5400000" rotWithShape="0">
+              <a:srgbClr val="000000">
+                <a:alpha val="35000"/>
+              </a:srgbClr>
+            </a:outerShdw>
+          </a:effectLst>
+          <a:scene3d>
+            <a:camera prst="orthographicFront">
+              <a:rot lat="0" lon="0" rev="0"/>
+            </a:camera>
+            <a:lightRig rig="threePt" dir="t">
+              <a:rot lat="0" lon="0" rev="1200000"/>
+            </a:lightRig>
+          </a:scene3d>
+          <a:sp3d>
+            <a:bevelT w="63500" h="25400"/>
+          </a:sp3d>
+        </a:effectStyle>
+      </a:effectStyleLst>
+      <a:bgFillStyleLst>
+        <a:solidFill>
+          <a:schemeClr val="phClr"/>
+        </a:solidFill>
+        <a:gradFill rotWithShape="1">
+          <a:gsLst>
+            <a:gs pos="0">
+              <a:schemeClr val="phClr">
+                <a:tint val="40000"/>
+                <a:satMod val="350000"/>
+              </a:schemeClr>
+            </a:gs>
+            <a:gs pos="40000">
+              <a:schemeClr val="phClr">
+                <a:tint val="45000"/>
+                <a:shade val="99000"/>
+                <a:satMod val="350000"/>
+              </a:schemeClr>
+            </a:gs>
+            <a:gs pos="100000">
+              <a:schemeClr val="phClr">
+                <a:shade val="20000"/>
+                <a:satMod val="255000"/>
+              </a:schemeClr>
+            </a:gs>
+          </a:gsLst>
+          <a:path path="circle">
+            <a:fillToRect l="50000" t="-80000" r="50000" b="180000"/>
+          </a:path>
+        </a:gradFill>
+        <a:gradFill rotWithShape="1">
+          <a:gsLst>
+            <a:gs pos="0">
+              <a:schemeClr val="phClr">
+                <a:tint val="80000"/>
+                <a:satMod val="300000"/>
+              </a:schemeClr>
+            </a:gs>
+            <a:gs pos="100000">
+              <a:schemeClr val="phClr">
+                <a:shade val="30000"/>
+                <a:satMod val="200000"/>
+              </a:schemeClr>
+            </a:gs>
+          </a:gsLst>
+          <a:path path="circle">
+            <a:fillToRect l="50000" t="50000" r="50000" b="50000"/>
+          </a:path>
+        </a:gradFill>
+      </a:bgFillStyleLst>
+    </a:fmtScheme>
+  </a:themeElements>
+</a:theme>
+</file>
+
+<file path=ppt/theme/theme2.xml><?xml version="1.0" encoding="utf-8"?>
 <a:theme xmlns:a="http://schemas.openxmlformats.org/drawingml/2006/main" xmlns:r="http://schemas.openxmlformats.org/officeDocument/2006/relationships" name="Simple Light">
   <a:themeElements>
     <a:clrScheme name="Simple Light">
@@ -10245,283 +10937,4 @@
     </a:fmtScheme>
   </a:themeElements>
 </a:theme>
-</file>
-
-<file path=ppt/theme/theme2.xml><?xml version="1.0" encoding="utf-8"?>
-<a:theme xmlns:a="http://schemas.openxmlformats.org/drawingml/2006/main" xmlns:r="http://schemas.openxmlformats.org/officeDocument/2006/relationships">
-  <a:themeElements>
-    <a:clrScheme name="Default">
-      <a:dk1>
-        <a:srgbClr val="000000"/>
-      </a:dk1>
-      <a:lt1>
-        <a:srgbClr val="FFFFFF"/>
-      </a:lt1>
-      <a:dk2>
-        <a:srgbClr val="158158"/>
-      </a:dk2>
-      <a:lt2>
-        <a:srgbClr val="F3F3F3"/>
-      </a:lt2>
-      <a:accent1>
-        <a:srgbClr val="058DC7"/>
-      </a:accent1>
-      <a:accent2>
-        <a:srgbClr val="50B432"/>
-      </a:accent2>
-      <a:accent3>
-        <a:srgbClr val="ED561B"/>
-      </a:accent3>
-      <a:accent4>
-        <a:srgbClr val="EDEF00"/>
-      </a:accent4>
-      <a:accent5>
-        <a:srgbClr val="24CBE5"/>
-      </a:accent5>
-      <a:accent6>
-        <a:srgbClr val="64E572"/>
-      </a:accent6>
-      <a:hlink>
-        <a:srgbClr val="2200CC"/>
-      </a:hlink>
-      <a:folHlink>
-        <a:srgbClr val="551A8B"/>
-      </a:folHlink>
-    </a:clrScheme>
-    <a:fontScheme name="Office">
-      <a:majorFont>
-        <a:latin typeface="Arial"/>
-        <a:ea typeface=""/>
-        <a:cs typeface=""/>
-        <a:font script="Jpan" typeface="ＭＳ Ｐゴシック"/>
-        <a:font script="Hang" typeface="맑은 고딕"/>
-        <a:font script="Hans" typeface="宋体"/>
-        <a:font script="Hant" typeface="新細明體"/>
-        <a:font script="Arab" typeface="Times New Roman"/>
-        <a:font script="Hebr" typeface="Times New Roman"/>
-        <a:font script="Thai" typeface="Angsana New"/>
-        <a:font script="Ethi" typeface="Nyala"/>
-        <a:font script="Beng" typeface="Vrinda"/>
-        <a:font script="Gujr" typeface="Shruti"/>
-        <a:font script="Khmr" typeface="MoolBoran"/>
-        <a:font script="Knda" typeface="Tunga"/>
-        <a:font script="Guru" typeface="Raavi"/>
-        <a:font script="Cans" typeface="Euphemia"/>
-        <a:font script="Cher" typeface="Plantagenet Cherokee"/>
-        <a:font script="Yiii" typeface="Microsoft Yi Baiti"/>
-        <a:font script="Tibt" typeface="Microsoft Himalaya"/>
-        <a:font script="Thaa" typeface="MV Boli"/>
-        <a:font script="Deva" typeface="Mangal"/>
-        <a:font script="Telu" typeface="Gautami"/>
-        <a:font script="Taml" typeface="Latha"/>
-        <a:font script="Syrc" typeface="Estrangelo Edessa"/>
-        <a:font script="Orya" typeface="Kalinga"/>
-        <a:font script="Mlym" typeface="Kartika"/>
-        <a:font script="Laoo" typeface="DokChampa"/>
-        <a:font script="Sinh" typeface="Iskoola Pota"/>
-        <a:font script="Mong" typeface="Mongolian Baiti"/>
-        <a:font script="Viet" typeface="Times New Roman"/>
-        <a:font script="Uigh" typeface="Microsoft Uighur"/>
-        <a:font script="Geor" typeface="Sylfaen"/>
-      </a:majorFont>
-      <a:minorFont>
-        <a:latin typeface="Arial"/>
-        <a:ea typeface=""/>
-        <a:cs typeface=""/>
-        <a:font script="Jpan" typeface="ＭＳ Ｐゴシック"/>
-        <a:font script="Hang" typeface="맑은 고딕"/>
-        <a:font script="Hans" typeface="宋体"/>
-        <a:font script="Hant" typeface="新細明體"/>
-        <a:font script="Arab" typeface="Arial"/>
-        <a:font script="Hebr" typeface="Arial"/>
-        <a:font script="Thai" typeface="Cordia New"/>
-        <a:font script="Ethi" typeface="Nyala"/>
-        <a:font script="Beng" typeface="Vrinda"/>
-        <a:font script="Gujr" typeface="Shruti"/>
-        <a:font script="Khmr" typeface="DaunPenh"/>
-        <a:font script="Knda" typeface="Tunga"/>
-        <a:font script="Guru" typeface="Raavi"/>
-        <a:font script="Cans" typeface="Euphemia"/>
-        <a:font script="Cher" typeface="Plantagenet Cherokee"/>
-        <a:font script="Yiii" typeface="Microsoft Yi Baiti"/>
-        <a:font script="Tibt" typeface="Microsoft Himalaya"/>
-        <a:font script="Thaa" typeface="MV Boli"/>
-        <a:font script="Deva" typeface="Mangal"/>
-        <a:font script="Telu" typeface="Gautami"/>
-        <a:font script="Taml" typeface="Latha"/>
-        <a:font script="Syrc" typeface="Estrangelo Edessa"/>
-        <a:font script="Orya" typeface="Kalinga"/>
-        <a:font script="Mlym" typeface="Kartika"/>
-        <a:font script="Laoo" typeface="DokChampa"/>
-        <a:font script="Sinh" typeface="Iskoola Pota"/>
-        <a:font script="Mong" typeface="Mongolian Baiti"/>
-        <a:font script="Viet" typeface="Arial"/>
-        <a:font script="Uigh" typeface="Microsoft Uighur"/>
-        <a:font script="Geor" typeface="Sylfaen"/>
-      </a:minorFont>
-    </a:fontScheme>
-    <a:fmtScheme name="Office">
-      <a:fillStyleLst>
-        <a:solidFill>
-          <a:schemeClr val="phClr"/>
-        </a:solidFill>
-        <a:gradFill rotWithShape="1">
-          <a:gsLst>
-            <a:gs pos="0">
-              <a:schemeClr val="phClr">
-                <a:tint val="50000"/>
-                <a:satMod val="300000"/>
-              </a:schemeClr>
-            </a:gs>
-            <a:gs pos="35000">
-              <a:schemeClr val="phClr">
-                <a:tint val="37000"/>
-                <a:satMod val="300000"/>
-              </a:schemeClr>
-            </a:gs>
-            <a:gs pos="100000">
-              <a:schemeClr val="phClr">
-                <a:tint val="15000"/>
-                <a:satMod val="350000"/>
-              </a:schemeClr>
-            </a:gs>
-          </a:gsLst>
-          <a:lin ang="16200000" scaled="1"/>
-        </a:gradFill>
-        <a:gradFill rotWithShape="1">
-          <a:gsLst>
-            <a:gs pos="0">
-              <a:schemeClr val="phClr">
-                <a:tint val="100000"/>
-                <a:shade val="100000"/>
-                <a:satMod val="130000"/>
-              </a:schemeClr>
-            </a:gs>
-            <a:gs pos="100000">
-              <a:schemeClr val="phClr">
-                <a:tint val="50000"/>
-                <a:shade val="100000"/>
-                <a:satMod val="350000"/>
-              </a:schemeClr>
-            </a:gs>
-          </a:gsLst>
-          <a:lin ang="16200000" scaled="0"/>
-        </a:gradFill>
-      </a:fillStyleLst>
-      <a:lnStyleLst>
-        <a:ln w="9525" cap="flat" cmpd="sng" algn="ctr">
-          <a:solidFill>
-            <a:schemeClr val="phClr">
-              <a:shade val="95000"/>
-              <a:satMod val="105000"/>
-            </a:schemeClr>
-          </a:solidFill>
-          <a:prstDash val="solid"/>
-        </a:ln>
-        <a:ln w="25400" cap="flat" cmpd="sng" algn="ctr">
-          <a:solidFill>
-            <a:schemeClr val="phClr"/>
-          </a:solidFill>
-          <a:prstDash val="solid"/>
-        </a:ln>
-        <a:ln w="38100" cap="flat" cmpd="sng" algn="ctr">
-          <a:solidFill>
-            <a:schemeClr val="phClr"/>
-          </a:solidFill>
-          <a:prstDash val="solid"/>
-        </a:ln>
-      </a:lnStyleLst>
-      <a:effectStyleLst>
-        <a:effectStyle>
-          <a:effectLst>
-            <a:outerShdw blurRad="40000" dist="20000" dir="5400000" rotWithShape="0">
-              <a:srgbClr val="000000">
-                <a:alpha val="38000"/>
-              </a:srgbClr>
-            </a:outerShdw>
-          </a:effectLst>
-        </a:effectStyle>
-        <a:effectStyle>
-          <a:effectLst>
-            <a:outerShdw blurRad="40000" dist="23000" dir="5400000" rotWithShape="0">
-              <a:srgbClr val="000000">
-                <a:alpha val="35000"/>
-              </a:srgbClr>
-            </a:outerShdw>
-          </a:effectLst>
-        </a:effectStyle>
-        <a:effectStyle>
-          <a:effectLst>
-            <a:outerShdw blurRad="40000" dist="23000" dir="5400000" rotWithShape="0">
-              <a:srgbClr val="000000">
-                <a:alpha val="35000"/>
-              </a:srgbClr>
-            </a:outerShdw>
-          </a:effectLst>
-          <a:scene3d>
-            <a:camera prst="orthographicFront">
-              <a:rot lat="0" lon="0" rev="0"/>
-            </a:camera>
-            <a:lightRig rig="threePt" dir="t">
-              <a:rot lat="0" lon="0" rev="1200000"/>
-            </a:lightRig>
-          </a:scene3d>
-          <a:sp3d>
-            <a:bevelT w="63500" h="25400"/>
-          </a:sp3d>
-        </a:effectStyle>
-      </a:effectStyleLst>
-      <a:bgFillStyleLst>
-        <a:solidFill>
-          <a:schemeClr val="phClr"/>
-        </a:solidFill>
-        <a:gradFill rotWithShape="1">
-          <a:gsLst>
-            <a:gs pos="0">
-              <a:schemeClr val="phClr">
-                <a:tint val="40000"/>
-                <a:satMod val="350000"/>
-              </a:schemeClr>
-            </a:gs>
-            <a:gs pos="40000">
-              <a:schemeClr val="phClr">
-                <a:tint val="45000"/>
-                <a:shade val="99000"/>
-                <a:satMod val="350000"/>
-              </a:schemeClr>
-            </a:gs>
-            <a:gs pos="100000">
-              <a:schemeClr val="phClr">
-                <a:shade val="20000"/>
-                <a:satMod val="255000"/>
-              </a:schemeClr>
-            </a:gs>
-          </a:gsLst>
-          <a:path path="circle">
-            <a:fillToRect l="50000" t="-80000" r="50000" b="180000"/>
-          </a:path>
-        </a:gradFill>
-        <a:gradFill rotWithShape="1">
-          <a:gsLst>
-            <a:gs pos="0">
-              <a:schemeClr val="phClr">
-                <a:tint val="80000"/>
-                <a:satMod val="300000"/>
-              </a:schemeClr>
-            </a:gs>
-            <a:gs pos="100000">
-              <a:schemeClr val="phClr">
-                <a:shade val="30000"/>
-                <a:satMod val="200000"/>
-              </a:schemeClr>
-            </a:gs>
-          </a:gsLst>
-          <a:path path="circle">
-            <a:fillToRect l="50000" t="50000" r="50000" b="50000"/>
-          </a:path>
-        </a:gradFill>
-      </a:bgFillStyleLst>
-    </a:fmtScheme>
-  </a:themeElements>
-</a:theme>
 </file>